--- a/Presentations/MessengerMechanism.pptx
+++ b/Presentations/MessengerMechanism.pptx
@@ -5735,7 +5735,7 @@
                 </a:solidFill>
                 <a:latin typeface="Times New Roman"/>
               </a:rPr>
-              <a:t>Very useful when running Geant4 in batch mode, and simulation needs to be run multiple time, which minor changes (material, dimension etc).</a:t>
+              <a:t>Very useful when running Geant4 in batch mode, and simulation needs to be run multiple time with minor changes (material, dimension etc).</a:t>
             </a:r>
             <a:endParaRPr b="0" lang="en-IN" sz="2200" spc="-1" strike="noStrike">
               <a:latin typeface="Times New Roman"/>
@@ -7313,7 +7313,7 @@
         </p:style>
         <p:txBody>
           <a:bodyPr lIns="0" rIns="0" tIns="0" bIns="0">
-            <a:normAutofit/>
+            <a:normAutofit fontScale="80000"/>
           </a:bodyPr>
           <a:p>
             <a:pPr>
@@ -7526,7 +7526,47 @@
                 </a:solidFill>
                 <a:latin typeface="Times New Roman"/>
               </a:rPr>
-              <a:t>One should call ReinitializeGeometry function after making the changes to the geometry. So that the geometry should be rebuild with updated values. </a:t>
+              <a:t>One should call ReinitializeGeometry function after making the changes to the geometry. So that the geometry should be rebuild with updated values.</a:t>
+            </a:r>
+            <a:endParaRPr b="0" lang="en-IN" sz="2200" spc="-1" strike="noStrike">
+              <a:latin typeface="Times New Roman"/>
+            </a:endParaRPr>
+          </a:p>
+          <a:p>
+            <a:pPr>
+              <a:lnSpc>
+                <a:spcPct val="100000"/>
+              </a:lnSpc>
+              <a:spcBef>
+                <a:spcPts val="641"/>
+              </a:spcBef>
+            </a:pPr>
+            <a:r>
+              <a:rPr b="1" lang="en-IN" sz="2200" spc="-1" strike="noStrike">
+                <a:solidFill>
+                  <a:srgbClr val="8d1d75"/>
+                </a:solidFill>
+                <a:latin typeface="Times New Roman"/>
+              </a:rPr>
+              <a:t>The call-back function can accept </a:t>
+            </a:r>
+            <a:r>
+              <a:rPr b="1" lang="en-IN" sz="2200" spc="-1" strike="noStrike">
+                <a:solidFill>
+                  <a:srgbClr val="ff0000"/>
+                </a:solidFill>
+                <a:latin typeface="Times New Roman"/>
+              </a:rPr>
+              <a:t>only one parameter.</a:t>
+            </a:r>
+            <a:r>
+              <a:rPr b="1" lang="en-IN" sz="2200" spc="-1" strike="noStrike">
+                <a:solidFill>
+                  <a:srgbClr val="8d1d75"/>
+                </a:solidFill>
+                <a:latin typeface="Times New Roman"/>
+              </a:rPr>
+              <a:t> Multiple parameter may be passed as string and can be broken into required parameters in the function. </a:t>
             </a:r>
             <a:endParaRPr b="0" lang="en-IN" sz="2200" spc="-1" strike="noStrike">
               <a:latin typeface="Times New Roman"/>
@@ -7647,7 +7687,7 @@
         </p:style>
         <p:txBody>
           <a:bodyPr lIns="0" rIns="0" tIns="0" bIns="0">
-            <a:normAutofit/>
+            <a:normAutofit fontScale="77000"/>
           </a:bodyPr>
           <a:p>
             <a:pPr>
@@ -7771,6 +7811,41 @@
                 <a:latin typeface="Times New Roman"/>
               </a:rPr>
               <a:t>Traditional classes provide more control at the cost of increase complexity and more boilerplate code</a:t>
+            </a:r>
+            <a:endParaRPr b="0" lang="en-IN" sz="2200" spc="-1" strike="noStrike">
+              <a:latin typeface="Times New Roman"/>
+            </a:endParaRPr>
+          </a:p>
+          <a:p>
+            <a:pPr>
+              <a:lnSpc>
+                <a:spcPct val="100000"/>
+              </a:lnSpc>
+              <a:spcBef>
+                <a:spcPts val="641"/>
+              </a:spcBef>
+            </a:pPr>
+            <a:endParaRPr b="0" lang="en-IN" sz="2200" spc="-1" strike="noStrike">
+              <a:latin typeface="Times New Roman"/>
+            </a:endParaRPr>
+          </a:p>
+          <a:p>
+            <a:pPr>
+              <a:lnSpc>
+                <a:spcPct val="100000"/>
+              </a:lnSpc>
+              <a:spcBef>
+                <a:spcPts val="641"/>
+              </a:spcBef>
+            </a:pPr>
+            <a:r>
+              <a:rPr b="1" lang="en-IN" sz="2200" spc="-1" strike="noStrike">
+                <a:solidFill>
+                  <a:srgbClr val="0000ff"/>
+                </a:solidFill>
+                <a:latin typeface="Times New Roman"/>
+              </a:rPr>
+              <a:t>All the command (Tradition / Generic) can also be used from the macro file.</a:t>
             </a:r>
             <a:endParaRPr b="0" lang="en-IN" sz="2200" spc="-1" strike="noStrike">
               <a:latin typeface="Times New Roman"/>
